--- a/Прогнозирование_вероятности_дефолта restructured.pptx
+++ b/Прогнозирование_вероятности_дефолта restructured.pptx
@@ -90,7 +90,7 @@
         <p:txBody>
           <a:bodyPr/>
           <a:p>
-            <a:fld id="{5A0B10BA-EE81-499B-9F4D-DBDFB9EC2C20}" type="slidenum">
+            <a:fld id="{473AB0EC-EA48-40FB-B19E-C15C42BE33AE}" type="slidenum">
               <a:t>&lt;#&gt;</a:t>
             </a:fld>
           </a:p>
@@ -132,7 +132,7 @@
         <p:txBody>
           <a:bodyPr/>
           <a:p>
-            <a:fld id="{DD2A630B-99C9-4666-8D33-103D5EB07D55}" type="slidenum">
+            <a:fld id="{E0936B6E-418E-4118-9415-B467375A2A0D}" type="slidenum">
               <a:t>&lt;#&gt;</a:t>
             </a:fld>
           </a:p>
@@ -174,7 +174,7 @@
         <p:txBody>
           <a:bodyPr/>
           <a:p>
-            <a:fld id="{2BE68D88-0EF4-4E1B-9675-716EDB796746}" type="slidenum">
+            <a:fld id="{5615F116-3D26-4828-BE98-1D84398E6FBF}" type="slidenum">
               <a:t>&lt;#&gt;</a:t>
             </a:fld>
           </a:p>
@@ -216,7 +216,7 @@
         <p:txBody>
           <a:bodyPr/>
           <a:p>
-            <a:fld id="{94EE2CB0-7F45-4609-A3DB-0FC3EF43911D}" type="slidenum">
+            <a:fld id="{034BDC20-E3CB-413A-BCE0-20AE7B9203A9}" type="slidenum">
               <a:t>&lt;#&gt;</a:t>
             </a:fld>
           </a:p>
@@ -258,7 +258,7 @@
         <p:txBody>
           <a:bodyPr/>
           <a:p>
-            <a:fld id="{CDB85340-87D3-4071-A2D2-4DB66CC3A8B4}" type="slidenum">
+            <a:fld id="{EE4CFF3D-658B-4BC2-ACF5-0B8FA0784743}" type="slidenum">
               <a:t>&lt;#&gt;</a:t>
             </a:fld>
           </a:p>
@@ -300,7 +300,7 @@
         <p:txBody>
           <a:bodyPr/>
           <a:p>
-            <a:fld id="{67B5F327-3858-4F0E-98E1-A3833E207970}" type="slidenum">
+            <a:fld id="{0E9CEA94-32C6-46F0-9342-6FDC04FA5CB0}" type="slidenum">
               <a:t>&lt;#&gt;</a:t>
             </a:fld>
           </a:p>
@@ -342,7 +342,7 @@
         <p:txBody>
           <a:bodyPr/>
           <a:p>
-            <a:fld id="{8E9510CD-DA3B-46C5-B8CC-9E8C26F8F2A9}" type="slidenum">
+            <a:fld id="{6BC45B0A-696D-448E-9645-5DFF3BAF8EBB}" type="slidenum">
               <a:t>&lt;#&gt;</a:t>
             </a:fld>
           </a:p>
@@ -947,7 +947,7 @@
                 <a:tab algn="l" pos="0"/>
               </a:tabLst>
             </a:pPr>
-            <a:fld id="{16FA45A9-1FAD-4916-ABAA-AAA775686325}" type="slidenum">
+            <a:fld id="{6118744F-E999-4AF1-8E9C-997E2A82D8D1}" type="slidenum">
               <a:rPr b="0" lang="ru-RU" sz="2400" spc="-1" strike="noStrike">
                 <a:solidFill>
                   <a:srgbClr val="898989"/>
@@ -1351,7 +1351,7 @@
                 <a:tab algn="l" pos="0"/>
               </a:tabLst>
             </a:pPr>
-            <a:fld id="{16446ECA-595D-4650-85C9-4307422408B3}" type="slidenum">
+            <a:fld id="{513F62D8-DE75-496A-91A9-C80B919DBD39}" type="slidenum">
               <a:rPr b="0" lang="ru-RU" sz="2400" spc="-1" strike="noStrike">
                 <a:solidFill>
                   <a:srgbClr val="898989"/>
@@ -1481,7 +1481,7 @@
                 <a:tab algn="l" pos="0"/>
               </a:tabLst>
             </a:pPr>
-            <a:fld id="{9B62EC3C-5E09-4CB8-8A08-4965D17C7098}" type="slidenum">
+            <a:fld id="{85D57EB1-AB83-44E1-B80C-854F337571C2}" type="slidenum">
               <a:rPr b="0" lang="ru-RU" sz="2400" spc="-1" strike="noStrike">
                 <a:solidFill>
                   <a:srgbClr val="898989"/>
@@ -1611,7 +1611,7 @@
                 <a:tab algn="l" pos="0"/>
               </a:tabLst>
             </a:pPr>
-            <a:fld id="{2851C5AD-6455-4EF4-A664-3A98847AA503}" type="slidenum">
+            <a:fld id="{D8661B54-A351-49F3-9CA5-4D3EA6DEABE5}" type="slidenum">
               <a:rPr b="0" lang="ru-RU" sz="2400" spc="-1" strike="noStrike">
                 <a:solidFill>
                   <a:srgbClr val="898989"/>
@@ -1741,7 +1741,7 @@
                 <a:tab algn="l" pos="0"/>
               </a:tabLst>
             </a:pPr>
-            <a:fld id="{D8CB16CA-B6C4-4EE4-8CE3-7AF3D584B977}" type="slidenum">
+            <a:fld id="{35334BA0-B721-46E8-AC22-DC392603FDC1}" type="slidenum">
               <a:rPr b="0" lang="ru-RU" sz="2400" spc="-1" strike="noStrike">
                 <a:solidFill>
                   <a:srgbClr val="898989"/>
@@ -1871,7 +1871,7 @@
                 <a:tab algn="l" pos="0"/>
               </a:tabLst>
             </a:pPr>
-            <a:fld id="{02EB0685-3BDA-4B53-9AE7-DB37B2D38774}" type="slidenum">
+            <a:fld id="{373D1B6F-4AAA-4780-B35E-1CDE19A0977B}" type="slidenum">
               <a:rPr b="0" lang="ru-RU" sz="2400" spc="-1" strike="noStrike">
                 <a:solidFill>
                   <a:srgbClr val="898989"/>
@@ -2001,7 +2001,7 @@
                 <a:tab algn="l" pos="0"/>
               </a:tabLst>
             </a:pPr>
-            <a:fld id="{626B36B7-764A-498E-9194-B55DCCFEF909}" type="slidenum">
+            <a:fld id="{105EB7CA-7818-4019-A3B7-AA822BA54F04}" type="slidenum">
               <a:rPr b="0" lang="ru-RU" sz="2400" spc="-1" strike="noStrike">
                 <a:solidFill>
                   <a:srgbClr val="898989"/>
@@ -2996,7 +2996,7 @@
                 <a:tab algn="l" pos="0"/>
               </a:tabLst>
             </a:pPr>
-            <a:fld id="{357FC6AF-539C-4A0E-8560-B51339D8DE49}" type="slidenum">
+            <a:fld id="{42B3A74D-E6A7-49A6-B048-8EAA48A2B176}" type="slidenum">
               <a:rPr b="0" lang="ru-RU" sz="1400" spc="-1" strike="noStrike">
                 <a:solidFill>
                   <a:srgbClr val="898989"/>
@@ -3801,7 +3801,7 @@
                 <a:tab algn="l" pos="0"/>
               </a:tabLst>
             </a:pPr>
-            <a:fld id="{B3E6F33C-70D4-42BE-9ABE-0F233D26A1D6}" type="slidenum">
+            <a:fld id="{AD663E7D-4B1E-4A7B-BD62-E82123E4E8AD}" type="slidenum">
               <a:rPr b="0" lang="ru-RU" sz="1400" spc="-1" strike="noStrike">
                 <a:solidFill>
                   <a:srgbClr val="898989"/>
@@ -4831,7 +4831,7 @@
                 <a:tab algn="l" pos="0"/>
               </a:tabLst>
             </a:pPr>
-            <a:fld id="{AA02976B-1434-451B-B9BC-05DB10B624F1}" type="slidenum">
+            <a:fld id="{5FBBEDC5-DB27-44BD-83CF-EE90735FF949}" type="slidenum">
               <a:rPr b="0" lang="ru-RU" sz="1400" spc="-1" strike="noStrike">
                 <a:solidFill>
                   <a:srgbClr val="898989"/>
@@ -5636,7 +5636,7 @@
                 <a:tab algn="l" pos="0"/>
               </a:tabLst>
             </a:pPr>
-            <a:fld id="{6D0C60B2-22E1-4B96-963B-019A850AD367}" type="slidenum">
+            <a:fld id="{175F5C67-E9F0-4079-8F99-C1357EE09F18}" type="slidenum">
               <a:rPr b="0" lang="ru-RU" sz="1400" spc="-1" strike="noStrike">
                 <a:solidFill>
                   <a:srgbClr val="898989"/>
@@ -6163,7 +6163,7 @@
                 <a:tab algn="l" pos="0"/>
               </a:tabLst>
             </a:pPr>
-            <a:fld id="{0358963B-6B56-49A2-837D-A845678F955D}" type="slidenum">
+            <a:fld id="{2D1F2E22-9616-4227-B7FC-0E520D69EA13}" type="slidenum">
               <a:rPr b="0" lang="ru-RU" sz="1400" spc="-1" strike="noStrike">
                 <a:solidFill>
                   <a:srgbClr val="898989"/>
@@ -6191,7 +6191,7 @@
         <p:spPr>
           <a:xfrm>
             <a:off x="228600" y="1440720"/>
-            <a:ext cx="7084080" cy="2900160"/>
+            <a:ext cx="5943600" cy="3817080"/>
           </a:xfrm>
           <a:prstGeom prst="rect">
             <a:avLst/>
@@ -6289,6 +6289,35 @@
                 <a:latin typeface="Arial"/>
                 <a:ea typeface="Open Sans"/>
               </a:rPr>
+              <a:t>Модель состоит из 2 скрытых слоев с функцией активации ReLU и 1 выходного слоя</a:t>
+            </a:r>
+            <a:endParaRPr b="0" lang="en-US" sz="1800" spc="-1" strike="noStrike">
+              <a:solidFill>
+                <a:srgbClr val="000000"/>
+              </a:solidFill>
+              <a:latin typeface="Arial"/>
+            </a:endParaRPr>
+          </a:p>
+          <a:p>
+            <a:pPr marL="216000" indent="-216000">
+              <a:lnSpc>
+                <a:spcPct val="100000"/>
+              </a:lnSpc>
+              <a:buClr>
+                <a:srgbClr val="000000"/>
+              </a:buClr>
+              <a:buSzPct val="45000"/>
+              <a:buFont typeface="Wingdings" charset="2"/>
+              <a:buChar char=""/>
+            </a:pPr>
+            <a:r>
+              <a:rPr b="0" lang="ru-RU" sz="1800" spc="-1" strike="noStrike">
+                <a:solidFill>
+                  <a:srgbClr val="262626"/>
+                </a:solidFill>
+                <a:latin typeface="Arial"/>
+                <a:ea typeface="Open Sans"/>
+              </a:rPr>
               <a:t>Слои </a:t>
             </a:r>
             <a:r>
@@ -6401,8 +6430,8 @@
         </p:blipFill>
         <p:spPr>
           <a:xfrm>
-            <a:off x="7363800" y="1330560"/>
-            <a:ext cx="4464720" cy="2902320"/>
+            <a:off x="6642000" y="1512720"/>
+            <a:ext cx="4968360" cy="2493720"/>
           </a:xfrm>
           <a:prstGeom prst="rect">
             <a:avLst/>
@@ -6424,8 +6453,8 @@
         </p:blipFill>
         <p:spPr>
           <a:xfrm>
-            <a:off x="4185000" y="4114800"/>
-            <a:ext cx="4968360" cy="2493720"/>
+            <a:off x="6705720" y="4715280"/>
+            <a:ext cx="4038480" cy="999720"/>
           </a:xfrm>
           <a:prstGeom prst="rect">
             <a:avLst/>
@@ -6542,7 +6571,7 @@
                 <a:tab algn="l" pos="0"/>
               </a:tabLst>
             </a:pPr>
-            <a:fld id="{FE909EE7-7151-492F-B7E6-71FBB097D6FB}" type="slidenum">
+            <a:fld id="{CA98F795-CCB9-4817-B498-D94266334C04}" type="slidenum">
               <a:rPr b="0" lang="ru-RU" sz="1400" spc="-1" strike="noStrike">
                 <a:solidFill>
                   <a:srgbClr val="898989"/>
@@ -8744,7 +8773,7 @@
                 <a:tab algn="l" pos="0"/>
               </a:tabLst>
             </a:pPr>
-            <a:fld id="{F84E95AE-16A7-4439-9197-BFD6E6C37BB7}" type="slidenum">
+            <a:fld id="{1C4C0F27-BD63-404F-9C68-65677D001255}" type="slidenum">
               <a:rPr b="0" lang="ru-RU" sz="1400" spc="-1" strike="noStrike">
                 <a:solidFill>
                   <a:srgbClr val="898989"/>
@@ -9069,7 +9098,7 @@
                 <a:tab algn="l" pos="0"/>
               </a:tabLst>
             </a:pPr>
-            <a:fld id="{E633C463-845F-4854-B8D4-58F51BEB0F6E}" type="slidenum">
+            <a:fld id="{ACA47C5E-9D00-42D0-8380-070B5BF39397}" type="slidenum">
               <a:rPr b="0" lang="ru-RU" sz="1400" spc="-1" strike="noStrike">
                 <a:solidFill>
                   <a:srgbClr val="898989"/>
@@ -9246,7 +9275,7 @@
                 <a:tab algn="l" pos="0"/>
               </a:tabLst>
             </a:pPr>
-            <a:fld id="{36DB72B8-4755-44EF-AA89-661B782A54F3}" type="slidenum">
+            <a:fld id="{03FF0C66-B656-49BC-83F9-08A5A4CEE3CF}" type="slidenum">
               <a:rPr b="0" lang="ru-RU" sz="1400" spc="-1" strike="noStrike">
                 <a:solidFill>
                   <a:srgbClr val="898989"/>
@@ -9734,7 +9763,7 @@
                 <a:tab algn="l" pos="0"/>
               </a:tabLst>
             </a:pPr>
-            <a:fld id="{659624D6-9633-42C5-8A14-278917D56727}" type="slidenum">
+            <a:fld id="{2BAF3BF4-45E2-494E-BDB6-4895E80DA7EA}" type="slidenum">
               <a:rPr b="0" lang="ru-RU" sz="1400" spc="-1" strike="noStrike">
                 <a:solidFill>
                   <a:srgbClr val="898989"/>
@@ -11076,7 +11105,7 @@
                 <a:tab algn="l" pos="0"/>
               </a:tabLst>
             </a:pPr>
-            <a:fld id="{075BC14A-4871-456F-82E7-9155C796F7BF}" type="slidenum">
+            <a:fld id="{66C2F6C6-20CD-42A7-8419-1AFCEA18D701}" type="slidenum">
               <a:rPr b="0" lang="ru-RU" sz="1400" spc="-1" strike="noStrike">
                 <a:solidFill>
                   <a:srgbClr val="898989"/>
@@ -11424,7 +11453,7 @@
                 <a:tab algn="l" pos="0"/>
               </a:tabLst>
             </a:pPr>
-            <a:fld id="{3BBCF902-D1EF-43CB-AA4B-381D4DF9719F}" type="slidenum">
+            <a:fld id="{E1AFC322-6302-4949-BB53-4DD90D14286F}" type="slidenum">
               <a:rPr b="0" lang="ru-RU" sz="1400" spc="-1" strike="noStrike">
                 <a:solidFill>
                   <a:srgbClr val="898989"/>
@@ -11979,7 +12008,7 @@
                 <a:tab algn="l" pos="0"/>
               </a:tabLst>
             </a:pPr>
-            <a:fld id="{3A03B311-4473-41A6-BCAE-000B1EB7EF31}" type="slidenum">
+            <a:fld id="{6E0C082E-61A8-4396-8B87-4D7DA0F3DC66}" type="slidenum">
               <a:rPr b="0" lang="ru-RU" sz="1400" spc="-1" strike="noStrike">
                 <a:solidFill>
                   <a:srgbClr val="898989"/>
@@ -14148,7 +14177,7 @@
                 <a:tab algn="l" pos="0"/>
               </a:tabLst>
             </a:pPr>
-            <a:fld id="{1955ABD2-6B7D-4A57-8C79-BBC14DBE8925}" type="slidenum">
+            <a:fld id="{83D1E46D-3F46-4319-8D8C-823E6AC51BD6}" type="slidenum">
               <a:rPr b="0" lang="ru-RU" sz="1400" spc="-1" strike="noStrike">
                 <a:solidFill>
                   <a:srgbClr val="898989"/>
@@ -14874,7 +14903,7 @@
                 <a:tab algn="l" pos="0"/>
               </a:tabLst>
             </a:pPr>
-            <a:fld id="{6014CC89-BF8A-42AA-8589-184DF98A4C33}" type="slidenum">
+            <a:fld id="{A5815871-DFE2-4DD3-AFCF-A6BC92FB54FE}" type="slidenum">
               <a:rPr b="0" lang="ru-RU" sz="1400" spc="-1" strike="noStrike">
                 <a:solidFill>
                   <a:srgbClr val="898989"/>
@@ -15199,7 +15228,7 @@
                 <a:tab algn="l" pos="0"/>
               </a:tabLst>
             </a:pPr>
-            <a:fld id="{2E0805D5-73E0-4807-A075-E187CAA7AE92}" type="slidenum">
+            <a:fld id="{67A6C161-170B-4C0B-B785-22BDA5DDDFC2}" type="slidenum">
               <a:rPr b="0" lang="ru-RU" sz="1400" spc="-1" strike="noStrike">
                 <a:solidFill>
                   <a:srgbClr val="898989"/>
